--- a/representation/final_presentation.pptx
+++ b/representation/final_presentation.pptx
@@ -4,6 +4,9 @@
   <p:sldMasterIdLst>
     <p:sldMasterId id="2147483648" r:id="rId1"/>
   </p:sldMasterIdLst>
+  <p:notesMasterIdLst>
+    <p:notesMasterId r:id="rId23"/>
+  </p:notesMasterIdLst>
   <p:sldIdLst>
     <p:sldId id="256" r:id="rId2"/>
     <p:sldId id="257" r:id="rId3"/>
@@ -132,6 +135,356 @@
 </p:presentation>
 </file>
 
+<file path=ppt/notesMasters/notesMaster1.xml><?xml version="1.0" encoding="utf-8"?>
+<p:notesMaster xmlns:a="http://schemas.openxmlformats.org/drawingml/2006/main" xmlns:r="http://schemas.openxmlformats.org/officeDocument/2006/relationships" xmlns:p="http://schemas.openxmlformats.org/presentationml/2006/main">
+  <p:cSld>
+    <p:bg>
+      <p:bgRef idx="1001">
+        <a:schemeClr val="bg1"/>
+      </p:bgRef>
+    </p:bg>
+    <p:spTree>
+      <p:nvGrpSpPr>
+        <p:cNvPr id="1" name=""/>
+        <p:cNvGrpSpPr/>
+        <p:nvPr/>
+      </p:nvGrpSpPr>
+      <p:grpSpPr>
+        <a:xfrm>
+          <a:off x="0" y="0"/>
+          <a:ext cx="0" cy="0"/>
+          <a:chOff x="0" y="0"/>
+          <a:chExt cx="0" cy="0"/>
+        </a:xfrm>
+      </p:grpSpPr>
+      <p:sp>
+        <p:nvSpPr>
+          <p:cNvPr id="2" name="Верхний колонтитул 1"/>
+          <p:cNvSpPr>
+            <a:spLocks noGrp="1"/>
+          </p:cNvSpPr>
+          <p:nvPr>
+            <p:ph type="hdr" sz="quarter"/>
+          </p:nvPr>
+        </p:nvSpPr>
+        <p:spPr>
+          <a:xfrm>
+            <a:off x="0" y="0"/>
+            <a:ext cx="2971800" cy="458788"/>
+          </a:xfrm>
+          <a:prstGeom prst="rect">
+            <a:avLst/>
+          </a:prstGeom>
+        </p:spPr>
+        <p:txBody>
+          <a:bodyPr vert="horz" lIns="91440" tIns="45720" rIns="91440" bIns="45720" rtlCol="0"/>
+          <a:lstStyle>
+            <a:lvl1pPr algn="l">
+              <a:defRPr sz="1200"/>
+            </a:lvl1pPr>
+          </a:lstStyle>
+          <a:p>
+            <a:endParaRPr lang="ru-RU"/>
+          </a:p>
+        </p:txBody>
+      </p:sp>
+      <p:sp>
+        <p:nvSpPr>
+          <p:cNvPr id="3" name="Дата 2"/>
+          <p:cNvSpPr>
+            <a:spLocks noGrp="1"/>
+          </p:cNvSpPr>
+          <p:nvPr>
+            <p:ph type="dt" idx="1"/>
+          </p:nvPr>
+        </p:nvSpPr>
+        <p:spPr>
+          <a:xfrm>
+            <a:off x="3884613" y="0"/>
+            <a:ext cx="2971800" cy="458788"/>
+          </a:xfrm>
+          <a:prstGeom prst="rect">
+            <a:avLst/>
+          </a:prstGeom>
+        </p:spPr>
+        <p:txBody>
+          <a:bodyPr vert="horz" lIns="91440" tIns="45720" rIns="91440" bIns="45720" rtlCol="0"/>
+          <a:lstStyle>
+            <a:lvl1pPr algn="r">
+              <a:defRPr sz="1200"/>
+            </a:lvl1pPr>
+          </a:lstStyle>
+          <a:p>
+            <a:fld id="{9D837CF0-56EE-4F77-9604-B2C5A84E3767}" type="datetimeFigureOut">
+              <a:rPr lang="ru-RU" smtClean="0"/>
+              <a:t>22.06.2019</a:t>
+            </a:fld>
+            <a:endParaRPr lang="ru-RU"/>
+          </a:p>
+        </p:txBody>
+      </p:sp>
+      <p:sp>
+        <p:nvSpPr>
+          <p:cNvPr id="4" name="Образ слайда 3"/>
+          <p:cNvSpPr>
+            <a:spLocks noGrp="1" noRot="1" noChangeAspect="1"/>
+          </p:cNvSpPr>
+          <p:nvPr>
+            <p:ph type="sldImg" idx="2"/>
+          </p:nvPr>
+        </p:nvSpPr>
+        <p:spPr>
+          <a:xfrm>
+            <a:off x="685800" y="1143000"/>
+            <a:ext cx="5486400" cy="3086100"/>
+          </a:xfrm>
+          <a:prstGeom prst="rect">
+            <a:avLst/>
+          </a:prstGeom>
+          <a:noFill/>
+          <a:ln w="12700">
+            <a:solidFill>
+              <a:prstClr val="black"/>
+            </a:solidFill>
+          </a:ln>
+        </p:spPr>
+        <p:txBody>
+          <a:bodyPr vert="horz" lIns="91440" tIns="45720" rIns="91440" bIns="45720" rtlCol="0" anchor="ctr"/>
+          <a:lstStyle/>
+          <a:p>
+            <a:endParaRPr lang="ru-RU"/>
+          </a:p>
+        </p:txBody>
+      </p:sp>
+      <p:sp>
+        <p:nvSpPr>
+          <p:cNvPr id="5" name="Заметки 4"/>
+          <p:cNvSpPr>
+            <a:spLocks noGrp="1"/>
+          </p:cNvSpPr>
+          <p:nvPr>
+            <p:ph type="body" sz="quarter" idx="3"/>
+          </p:nvPr>
+        </p:nvSpPr>
+        <p:spPr>
+          <a:xfrm>
+            <a:off x="685800" y="4400550"/>
+            <a:ext cx="5486400" cy="3600450"/>
+          </a:xfrm>
+          <a:prstGeom prst="rect">
+            <a:avLst/>
+          </a:prstGeom>
+        </p:spPr>
+        <p:txBody>
+          <a:bodyPr vert="horz" lIns="91440" tIns="45720" rIns="91440" bIns="45720" rtlCol="0"/>
+          <a:lstStyle/>
+          <a:p>
+            <a:pPr lvl="0"/>
+            <a:r>
+              <a:rPr lang="ru-RU" smtClean="0"/>
+              <a:t>Образец текста</a:t>
+            </a:r>
+          </a:p>
+          <a:p>
+            <a:pPr lvl="1"/>
+            <a:r>
+              <a:rPr lang="ru-RU" smtClean="0"/>
+              <a:t>Второй уровень</a:t>
+            </a:r>
+          </a:p>
+          <a:p>
+            <a:pPr lvl="2"/>
+            <a:r>
+              <a:rPr lang="ru-RU" smtClean="0"/>
+              <a:t>Третий уровень</a:t>
+            </a:r>
+          </a:p>
+          <a:p>
+            <a:pPr lvl="3"/>
+            <a:r>
+              <a:rPr lang="ru-RU" smtClean="0"/>
+              <a:t>Четвертый уровень</a:t>
+            </a:r>
+          </a:p>
+          <a:p>
+            <a:pPr lvl="4"/>
+            <a:r>
+              <a:rPr lang="ru-RU" smtClean="0"/>
+              <a:t>Пятый уровень</a:t>
+            </a:r>
+            <a:endParaRPr lang="ru-RU"/>
+          </a:p>
+        </p:txBody>
+      </p:sp>
+      <p:sp>
+        <p:nvSpPr>
+          <p:cNvPr id="6" name="Нижний колонтитул 5"/>
+          <p:cNvSpPr>
+            <a:spLocks noGrp="1"/>
+          </p:cNvSpPr>
+          <p:nvPr>
+            <p:ph type="ftr" sz="quarter" idx="4"/>
+          </p:nvPr>
+        </p:nvSpPr>
+        <p:spPr>
+          <a:xfrm>
+            <a:off x="0" y="8685213"/>
+            <a:ext cx="2971800" cy="458787"/>
+          </a:xfrm>
+          <a:prstGeom prst="rect">
+            <a:avLst/>
+          </a:prstGeom>
+        </p:spPr>
+        <p:txBody>
+          <a:bodyPr vert="horz" lIns="91440" tIns="45720" rIns="91440" bIns="45720" rtlCol="0" anchor="b"/>
+          <a:lstStyle>
+            <a:lvl1pPr algn="l">
+              <a:defRPr sz="1200"/>
+            </a:lvl1pPr>
+          </a:lstStyle>
+          <a:p>
+            <a:endParaRPr lang="ru-RU"/>
+          </a:p>
+        </p:txBody>
+      </p:sp>
+      <p:sp>
+        <p:nvSpPr>
+          <p:cNvPr id="7" name="Номер слайда 6"/>
+          <p:cNvSpPr>
+            <a:spLocks noGrp="1"/>
+          </p:cNvSpPr>
+          <p:nvPr>
+            <p:ph type="sldNum" sz="quarter" idx="5"/>
+          </p:nvPr>
+        </p:nvSpPr>
+        <p:spPr>
+          <a:xfrm>
+            <a:off x="3884613" y="8685213"/>
+            <a:ext cx="2971800" cy="458787"/>
+          </a:xfrm>
+          <a:prstGeom prst="rect">
+            <a:avLst/>
+          </a:prstGeom>
+        </p:spPr>
+        <p:txBody>
+          <a:bodyPr vert="horz" lIns="91440" tIns="45720" rIns="91440" bIns="45720" rtlCol="0" anchor="b"/>
+          <a:lstStyle>
+            <a:lvl1pPr algn="r">
+              <a:defRPr sz="1200"/>
+            </a:lvl1pPr>
+          </a:lstStyle>
+          <a:p>
+            <a:fld id="{9C573B84-9B9C-46D0-A0ED-5354F8416920}" type="slidenum">
+              <a:rPr lang="ru-RU" smtClean="0"/>
+              <a:t>‹#›</a:t>
+            </a:fld>
+            <a:endParaRPr lang="ru-RU"/>
+          </a:p>
+        </p:txBody>
+      </p:sp>
+    </p:spTree>
+    <p:extLst>
+      <p:ext uri="{BB962C8B-B14F-4D97-AF65-F5344CB8AC3E}">
+        <p14:creationId xmlns:p14="http://schemas.microsoft.com/office/powerpoint/2010/main" val="1810112293"/>
+      </p:ext>
+    </p:extLst>
+  </p:cSld>
+  <p:clrMap bg1="lt1" tx1="dk1" bg2="lt2" tx2="dk2" accent1="accent1" accent2="accent2" accent3="accent3" accent4="accent4" accent5="accent5" accent6="accent6" hlink="hlink" folHlink="folHlink"/>
+  <p:notesStyle>
+    <a:lvl1pPr marL="0" algn="l" defTabSz="914400" rtl="0" eaLnBrk="1" latinLnBrk="0" hangingPunct="1">
+      <a:defRPr sz="1200" kern="1200">
+        <a:solidFill>
+          <a:schemeClr val="tx1"/>
+        </a:solidFill>
+        <a:latin typeface="+mn-lt"/>
+        <a:ea typeface="+mn-ea"/>
+        <a:cs typeface="+mn-cs"/>
+      </a:defRPr>
+    </a:lvl1pPr>
+    <a:lvl2pPr marL="457200" algn="l" defTabSz="914400" rtl="0" eaLnBrk="1" latinLnBrk="0" hangingPunct="1">
+      <a:defRPr sz="1200" kern="1200">
+        <a:solidFill>
+          <a:schemeClr val="tx1"/>
+        </a:solidFill>
+        <a:latin typeface="+mn-lt"/>
+        <a:ea typeface="+mn-ea"/>
+        <a:cs typeface="+mn-cs"/>
+      </a:defRPr>
+    </a:lvl2pPr>
+    <a:lvl3pPr marL="914400" algn="l" defTabSz="914400" rtl="0" eaLnBrk="1" latinLnBrk="0" hangingPunct="1">
+      <a:defRPr sz="1200" kern="1200">
+        <a:solidFill>
+          <a:schemeClr val="tx1"/>
+        </a:solidFill>
+        <a:latin typeface="+mn-lt"/>
+        <a:ea typeface="+mn-ea"/>
+        <a:cs typeface="+mn-cs"/>
+      </a:defRPr>
+    </a:lvl3pPr>
+    <a:lvl4pPr marL="1371600" algn="l" defTabSz="914400" rtl="0" eaLnBrk="1" latinLnBrk="0" hangingPunct="1">
+      <a:defRPr sz="1200" kern="1200">
+        <a:solidFill>
+          <a:schemeClr val="tx1"/>
+        </a:solidFill>
+        <a:latin typeface="+mn-lt"/>
+        <a:ea typeface="+mn-ea"/>
+        <a:cs typeface="+mn-cs"/>
+      </a:defRPr>
+    </a:lvl4pPr>
+    <a:lvl5pPr marL="1828800" algn="l" defTabSz="914400" rtl="0" eaLnBrk="1" latinLnBrk="0" hangingPunct="1">
+      <a:defRPr sz="1200" kern="1200">
+        <a:solidFill>
+          <a:schemeClr val="tx1"/>
+        </a:solidFill>
+        <a:latin typeface="+mn-lt"/>
+        <a:ea typeface="+mn-ea"/>
+        <a:cs typeface="+mn-cs"/>
+      </a:defRPr>
+    </a:lvl5pPr>
+    <a:lvl6pPr marL="2286000" algn="l" defTabSz="914400" rtl="0" eaLnBrk="1" latinLnBrk="0" hangingPunct="1">
+      <a:defRPr sz="1200" kern="1200">
+        <a:solidFill>
+          <a:schemeClr val="tx1"/>
+        </a:solidFill>
+        <a:latin typeface="+mn-lt"/>
+        <a:ea typeface="+mn-ea"/>
+        <a:cs typeface="+mn-cs"/>
+      </a:defRPr>
+    </a:lvl6pPr>
+    <a:lvl7pPr marL="2743200" algn="l" defTabSz="914400" rtl="0" eaLnBrk="1" latinLnBrk="0" hangingPunct="1">
+      <a:defRPr sz="1200" kern="1200">
+        <a:solidFill>
+          <a:schemeClr val="tx1"/>
+        </a:solidFill>
+        <a:latin typeface="+mn-lt"/>
+        <a:ea typeface="+mn-ea"/>
+        <a:cs typeface="+mn-cs"/>
+      </a:defRPr>
+    </a:lvl7pPr>
+    <a:lvl8pPr marL="3200400" algn="l" defTabSz="914400" rtl="0" eaLnBrk="1" latinLnBrk="0" hangingPunct="1">
+      <a:defRPr sz="1200" kern="1200">
+        <a:solidFill>
+          <a:schemeClr val="tx1"/>
+        </a:solidFill>
+        <a:latin typeface="+mn-lt"/>
+        <a:ea typeface="+mn-ea"/>
+        <a:cs typeface="+mn-cs"/>
+      </a:defRPr>
+    </a:lvl8pPr>
+    <a:lvl9pPr marL="3657600" algn="l" defTabSz="914400" rtl="0" eaLnBrk="1" latinLnBrk="0" hangingPunct="1">
+      <a:defRPr sz="1200" kern="1200">
+        <a:solidFill>
+          <a:schemeClr val="tx1"/>
+        </a:solidFill>
+        <a:latin typeface="+mn-lt"/>
+        <a:ea typeface="+mn-ea"/>
+        <a:cs typeface="+mn-cs"/>
+      </a:defRPr>
+    </a:lvl9pPr>
+  </p:notesStyle>
+</p:notesMaster>
+</file>
+
 <file path=ppt/slideLayouts/slideLayout1.xml><?xml version="1.0" encoding="utf-8"?>
 <p:sldLayout xmlns:a="http://schemas.openxmlformats.org/drawingml/2006/main" xmlns:r="http://schemas.openxmlformats.org/officeDocument/2006/relationships" xmlns:p="http://schemas.openxmlformats.org/presentationml/2006/main" type="title" preserve="1">
   <p:cSld name="Титульный слайд">
@@ -316,9 +669,9 @@
           <a:bodyPr/>
           <a:lstStyle/>
           <a:p>
-            <a:fld id="{4AAD347D-5ACD-4C99-B74B-A9C85AD731AF}" type="datetimeFigureOut">
-              <a:rPr lang="en-US" dirty="0"/>
-              <a:t>6/17/2019</a:t>
+            <a:fld id="{7AE805FE-7551-4137-81F2-20CD91861D61}" type="datetime1">
+              <a:rPr lang="en-US" smtClean="0"/>
+              <a:t>6/22/2019</a:t>
             </a:fld>
             <a:endParaRPr lang="en-US" dirty="0"/>
           </a:p>
@@ -586,9 +939,9 @@
           <a:bodyPr/>
           <a:lstStyle/>
           <a:p>
-            <a:fld id="{4509A250-FF31-4206-8172-F9D3106AACB1}" type="datetimeFigureOut">
-              <a:rPr lang="en-US" dirty="0"/>
-              <a:t>6/17/2019</a:t>
+            <a:fld id="{27CA8099-0125-4775-B20D-F52D3DCECA1A}" type="datetime1">
+              <a:rPr lang="en-US" smtClean="0"/>
+              <a:t>6/22/2019</a:t>
             </a:fld>
             <a:endParaRPr lang="en-US" dirty="0"/>
           </a:p>
@@ -775,9 +1128,9 @@
           <a:bodyPr/>
           <a:lstStyle/>
           <a:p>
-            <a:fld id="{4509A250-FF31-4206-8172-F9D3106AACB1}" type="datetimeFigureOut">
-              <a:rPr lang="en-US" dirty="0"/>
-              <a:t>6/17/2019</a:t>
+            <a:fld id="{8406A67E-6B00-4294-A1B8-C6D34900C91B}" type="datetime1">
+              <a:rPr lang="en-US" smtClean="0"/>
+              <a:t>6/22/2019</a:t>
             </a:fld>
             <a:endParaRPr lang="en-US" dirty="0"/>
           </a:p>
@@ -1043,9 +1396,9 @@
           <a:bodyPr/>
           <a:lstStyle/>
           <a:p>
-            <a:fld id="{4509A250-FF31-4206-8172-F9D3106AACB1}" type="datetimeFigureOut">
-              <a:rPr lang="en-US" dirty="0"/>
-              <a:t>6/17/2019</a:t>
+            <a:fld id="{A13F7793-8EB3-4B34-91EB-8237E9C7A10D}" type="datetime1">
+              <a:rPr lang="en-US" smtClean="0"/>
+              <a:t>6/22/2019</a:t>
             </a:fld>
             <a:endParaRPr lang="en-US" dirty="0"/>
           </a:p>
@@ -1379,9 +1732,9 @@
           <a:bodyPr/>
           <a:lstStyle/>
           <a:p>
-            <a:fld id="{4509A250-FF31-4206-8172-F9D3106AACB1}" type="datetimeFigureOut">
-              <a:rPr lang="en-US" dirty="0"/>
-              <a:t>6/17/2019</a:t>
+            <a:fld id="{E12C7A5D-5BC0-46A9-9369-F648C208CBF1}" type="datetime1">
+              <a:rPr lang="en-US" smtClean="0"/>
+              <a:t>6/22/2019</a:t>
             </a:fld>
             <a:endParaRPr lang="en-US" dirty="0"/>
           </a:p>
@@ -1997,9 +2350,9 @@
           <a:bodyPr/>
           <a:lstStyle/>
           <a:p>
-            <a:fld id="{4509A250-FF31-4206-8172-F9D3106AACB1}" type="datetimeFigureOut">
-              <a:rPr lang="en-US" dirty="0"/>
-              <a:t>6/17/2019</a:t>
+            <a:fld id="{5F0B0E7D-CD98-441E-AFD5-C836B2BEE15D}" type="datetime1">
+              <a:rPr lang="en-US" smtClean="0"/>
+              <a:t>6/22/2019</a:t>
             </a:fld>
             <a:endParaRPr lang="en-US" dirty="0"/>
           </a:p>
@@ -2852,9 +3205,9 @@
           <a:bodyPr/>
           <a:lstStyle/>
           <a:p>
-            <a:fld id="{4509A250-FF31-4206-8172-F9D3106AACB1}" type="datetimeFigureOut">
-              <a:rPr lang="en-US" dirty="0"/>
-              <a:t>6/17/2019</a:t>
+            <a:fld id="{BEB02C6E-5E99-44BD-B8CE-3A840CEA2C2F}" type="datetime1">
+              <a:rPr lang="en-US" smtClean="0"/>
+              <a:t>6/22/2019</a:t>
             </a:fld>
             <a:endParaRPr lang="en-US" dirty="0"/>
           </a:p>
@@ -3017,9 +3370,9 @@
           <a:bodyPr/>
           <a:lstStyle/>
           <a:p>
-            <a:fld id="{4509A250-FF31-4206-8172-F9D3106AACB1}" type="datetimeFigureOut">
-              <a:rPr lang="en-US" dirty="0"/>
-              <a:t>6/17/2019</a:t>
+            <a:fld id="{96A65B38-E6EA-4307-9A72-B612122003C4}" type="datetime1">
+              <a:rPr lang="en-US" smtClean="0"/>
+              <a:t>6/22/2019</a:t>
             </a:fld>
             <a:endParaRPr lang="en-US" dirty="0"/>
           </a:p>
@@ -3192,9 +3545,9 @@
           <a:bodyPr/>
           <a:lstStyle/>
           <a:p>
-            <a:fld id="{4509A250-FF31-4206-8172-F9D3106AACB1}" type="datetimeFigureOut">
-              <a:rPr lang="en-US" dirty="0"/>
-              <a:t>6/17/2019</a:t>
+            <a:fld id="{7D00FCD1-4029-46C9-BF2E-7C76FFA567A4}" type="datetime1">
+              <a:rPr lang="en-US" smtClean="0"/>
+              <a:t>6/22/2019</a:t>
             </a:fld>
             <a:endParaRPr lang="en-US" dirty="0"/>
           </a:p>
@@ -3357,9 +3710,9 @@
           <a:bodyPr/>
           <a:lstStyle/>
           <a:p>
-            <a:fld id="{4509A250-FF31-4206-8172-F9D3106AACB1}" type="datetimeFigureOut">
-              <a:rPr lang="en-US" dirty="0"/>
-              <a:t>6/17/2019</a:t>
+            <a:fld id="{70EFD786-C241-4345-B20A-11184675A0CB}" type="datetime1">
+              <a:rPr lang="en-US" smtClean="0"/>
+              <a:t>6/22/2019</a:t>
             </a:fld>
             <a:endParaRPr lang="en-US" dirty="0"/>
           </a:p>
@@ -3599,9 +3952,9 @@
           <a:bodyPr/>
           <a:lstStyle/>
           <a:p>
-            <a:fld id="{9796027F-7875-4030-9381-8BD8C4F21935}" type="datetimeFigureOut">
-              <a:rPr lang="en-US" dirty="0"/>
-              <a:t>6/17/2019</a:t>
+            <a:fld id="{AFC87EA5-E1B0-4D12-BA0B-C693A8BA275B}" type="datetime1">
+              <a:rPr lang="en-US" smtClean="0"/>
+              <a:t>6/22/2019</a:t>
             </a:fld>
             <a:endParaRPr lang="en-US" dirty="0"/>
           </a:p>
@@ -3886,9 +4239,9 @@
           <a:bodyPr/>
           <a:lstStyle/>
           <a:p>
-            <a:fld id="{9796027F-7875-4030-9381-8BD8C4F21935}" type="datetimeFigureOut">
-              <a:rPr lang="en-US" dirty="0"/>
-              <a:t>6/17/2019</a:t>
+            <a:fld id="{373602C2-F889-49DB-9371-7BF0E743273D}" type="datetime1">
+              <a:rPr lang="en-US" smtClean="0"/>
+              <a:t>6/22/2019</a:t>
             </a:fld>
             <a:endParaRPr lang="en-US" dirty="0"/>
           </a:p>
@@ -4325,9 +4678,9 @@
           <a:bodyPr/>
           <a:lstStyle/>
           <a:p>
-            <a:fld id="{9796027F-7875-4030-9381-8BD8C4F21935}" type="datetimeFigureOut">
-              <a:rPr lang="en-US" dirty="0"/>
-              <a:t>6/17/2019</a:t>
+            <a:fld id="{DBEEA622-0011-4F38-A7CE-8D90ACE5A5CA}" type="datetime1">
+              <a:rPr lang="en-US" smtClean="0"/>
+              <a:t>6/22/2019</a:t>
             </a:fld>
             <a:endParaRPr lang="en-US" dirty="0"/>
           </a:p>
@@ -4438,9 +4791,9 @@
           <a:bodyPr/>
           <a:lstStyle/>
           <a:p>
-            <a:fld id="{4509A250-FF31-4206-8172-F9D3106AACB1}" type="datetimeFigureOut">
-              <a:rPr lang="en-US" dirty="0"/>
-              <a:t>6/17/2019</a:t>
+            <a:fld id="{E8CB4C3A-6E6E-4ABF-82A0-F34977BD7E16}" type="datetime1">
+              <a:rPr lang="en-US" smtClean="0"/>
+              <a:t>6/22/2019</a:t>
             </a:fld>
             <a:endParaRPr lang="en-US" dirty="0"/>
           </a:p>
@@ -4528,9 +4881,9 @@
           <a:bodyPr/>
           <a:lstStyle/>
           <a:p>
-            <a:fld id="{4509A250-FF31-4206-8172-F9D3106AACB1}" type="datetimeFigureOut">
-              <a:rPr lang="en-US" dirty="0"/>
-              <a:t>6/17/2019</a:t>
+            <a:fld id="{BCA66DB1-A413-40C7-98D5-B810BF3CD18D}" type="datetime1">
+              <a:rPr lang="en-US" smtClean="0"/>
+              <a:t>6/22/2019</a:t>
             </a:fld>
             <a:endParaRPr lang="en-US" dirty="0"/>
           </a:p>
@@ -4802,9 +5155,9 @@
           <a:bodyPr/>
           <a:lstStyle/>
           <a:p>
-            <a:fld id="{4509A250-FF31-4206-8172-F9D3106AACB1}" type="datetimeFigureOut">
-              <a:rPr lang="en-US" dirty="0"/>
-              <a:t>6/17/2019</a:t>
+            <a:fld id="{A7DADFBE-D2C3-4B17-827C-F3F2DB078C3C}" type="datetime1">
+              <a:rPr lang="en-US" smtClean="0"/>
+              <a:t>6/22/2019</a:t>
             </a:fld>
             <a:endParaRPr lang="en-US" dirty="0"/>
           </a:p>
@@ -5072,9 +5425,9 @@
           <a:bodyPr/>
           <a:lstStyle/>
           <a:p>
-            <a:fld id="{4509A250-FF31-4206-8172-F9D3106AACB1}" type="datetimeFigureOut">
-              <a:rPr lang="en-US" dirty="0"/>
-              <a:t>6/17/2019</a:t>
+            <a:fld id="{DC314C49-7094-4DB9-82FC-DC40378F30D5}" type="datetime1">
+              <a:rPr lang="en-US" smtClean="0"/>
+              <a:t>6/22/2019</a:t>
             </a:fld>
             <a:endParaRPr lang="en-US" dirty="0"/>
           </a:p>
@@ -5496,9 +5849,9 @@
             </a:lvl1pPr>
           </a:lstStyle>
           <a:p>
-            <a:fld id="{4AAD347D-5ACD-4C99-B74B-A9C85AD731AF}" type="datetimeFigureOut">
-              <a:rPr lang="en-US" dirty="0"/>
-              <a:t>6/17/2019</a:t>
+            <a:fld id="{52BF9C68-BF10-4C79-BE92-8FFD19B53908}" type="datetime1">
+              <a:rPr lang="en-US" smtClean="0"/>
+              <a:t>6/22/2019</a:t>
             </a:fld>
             <a:endParaRPr lang="en-US" dirty="0"/>
           </a:p>
@@ -5605,7 +5958,7 @@
     <p:sldLayoutId id="2147483658" r:id="rId16"/>
     <p:sldLayoutId id="2147483659" r:id="rId17"/>
   </p:sldLayoutIdLst>
-  <p:hf sldNum="0" hdr="0" ftr="0" dt="0"/>
+  <p:hf hdr="0" ftr="0" dt="0"/>
   <p:txStyles>
     <p:titleStyle>
       <a:lvl1pPr algn="l" defTabSz="457200" rtl="0" eaLnBrk="1" latinLnBrk="0" hangingPunct="1">
@@ -6102,6 +6455,29 @@
           </a:p>
         </p:txBody>
       </p:sp>
+      <p:sp>
+        <p:nvSpPr>
+          <p:cNvPr id="6" name="Номер слайда 5"/>
+          <p:cNvSpPr>
+            <a:spLocks noGrp="1"/>
+          </p:cNvSpPr>
+          <p:nvPr>
+            <p:ph type="sldNum" sz="quarter" idx="12"/>
+          </p:nvPr>
+        </p:nvSpPr>
+        <p:spPr/>
+        <p:txBody>
+          <a:bodyPr/>
+          <a:lstStyle/>
+          <a:p>
+            <a:fld id="{D57F1E4F-1CFF-5643-939E-02111984F565}" type="slidenum">
+              <a:rPr lang="en-US" smtClean="0"/>
+              <a:t>1</a:t>
+            </a:fld>
+            <a:endParaRPr lang="en-US" dirty="0"/>
+          </a:p>
+        </p:txBody>
+      </p:sp>
     </p:spTree>
     <p:extLst>
       <p:ext uri="{BB962C8B-B14F-4D97-AF65-F5344CB8AC3E}">
@@ -6285,36 +6661,6 @@
           </a:p>
         </p:txBody>
       </p:sp>
-      <p:pic>
-        <p:nvPicPr>
-          <p:cNvPr id="4" name="Рисунок 3"/>
-          <p:cNvPicPr>
-            <a:picLocks noChangeAspect="1"/>
-          </p:cNvPicPr>
-          <p:nvPr/>
-        </p:nvPicPr>
-        <p:blipFill>
-          <a:blip r:embed="rId2">
-            <a:extLst>
-              <a:ext uri="{28A0092B-C50C-407E-A947-70E740481C1C}">
-                <a14:useLocalDpi xmlns:a14="http://schemas.microsoft.com/office/drawing/2010/main" val="0"/>
-              </a:ext>
-            </a:extLst>
-          </a:blip>
-          <a:stretch>
-            <a:fillRect/>
-          </a:stretch>
-        </p:blipFill>
-        <p:spPr>
-          <a:xfrm>
-            <a:off x="325268" y="1530209"/>
-            <a:ext cx="4594983" cy="2692256"/>
-          </a:xfrm>
-          <a:prstGeom prst="rect">
-            <a:avLst/>
-          </a:prstGeom>
-        </p:spPr>
-      </p:pic>
       <p:sp>
         <p:nvSpPr>
           <p:cNvPr id="7" name="Плюс 6"/>
@@ -6515,6 +6861,70 @@
           </a:p>
         </p:txBody>
       </p:sp>
+      <p:sp>
+        <p:nvSpPr>
+          <p:cNvPr id="5" name="Номер слайда 4"/>
+          <p:cNvSpPr>
+            <a:spLocks noGrp="1"/>
+          </p:cNvSpPr>
+          <p:nvPr>
+            <p:ph type="sldNum" sz="quarter" idx="12"/>
+          </p:nvPr>
+        </p:nvSpPr>
+        <p:spPr/>
+        <p:txBody>
+          <a:bodyPr/>
+          <a:lstStyle/>
+          <a:p>
+            <a:fld id="{D57F1E4F-1CFF-5643-939E-02111984F565}" type="slidenum">
+              <a:rPr lang="en-US" smtClean="0"/>
+              <a:t>10</a:t>
+            </a:fld>
+            <a:endParaRPr lang="en-US" dirty="0"/>
+          </a:p>
+        </p:txBody>
+      </p:sp>
+      <p:pic>
+        <p:nvPicPr>
+          <p:cNvPr id="2050" name="Picture 2" descr="ÐÐ°ÑÑÐ¸Ð½ÐºÐ¸ Ð¿Ð¾ Ð·Ð°Ð¿ÑÐ¾ÑÑ viper pattern"/>
+          <p:cNvPicPr>
+            <a:picLocks noChangeAspect="1" noChangeArrowheads="1"/>
+          </p:cNvPicPr>
+          <p:nvPr/>
+        </p:nvPicPr>
+        <p:blipFill>
+          <a:blip r:embed="rId2">
+            <a:extLst>
+              <a:ext uri="{28A0092B-C50C-407E-A947-70E740481C1C}">
+                <a14:useLocalDpi xmlns:a14="http://schemas.microsoft.com/office/drawing/2010/main" val="0"/>
+              </a:ext>
+            </a:extLst>
+          </a:blip>
+          <a:srcRect/>
+          <a:stretch>
+            <a:fillRect/>
+          </a:stretch>
+        </p:blipFill>
+        <p:spPr bwMode="auto">
+          <a:xfrm>
+            <a:off x="325268" y="1333500"/>
+            <a:ext cx="4861367" cy="3050508"/>
+          </a:xfrm>
+          <a:prstGeom prst="rect">
+            <a:avLst/>
+          </a:prstGeom>
+          <a:noFill/>
+          <a:extLst>
+            <a:ext uri="{909E8E84-426E-40DD-AFC4-6F175D3DCCD1}">
+              <a14:hiddenFill xmlns:a14="http://schemas.microsoft.com/office/drawing/2010/main">
+                <a:solidFill>
+                  <a:srgbClr val="FFFFFF"/>
+                </a:solidFill>
+              </a14:hiddenFill>
+            </a:ext>
+          </a:extLst>
+        </p:spPr>
+      </p:pic>
     </p:spTree>
     <p:extLst>
       <p:ext uri="{BB962C8B-B14F-4D97-AF65-F5344CB8AC3E}">
@@ -6588,35 +6998,6 @@
           </a:p>
         </p:txBody>
       </p:sp>
-      <p:pic>
-        <p:nvPicPr>
-          <p:cNvPr id="4" name="Объект 3"/>
-          <p:cNvPicPr>
-            <a:picLocks noGrp="1" noChangeAspect="1"/>
-          </p:cNvPicPr>
-          <p:nvPr>
-            <p:ph idx="1"/>
-          </p:nvPr>
-        </p:nvPicPr>
-        <p:blipFill>
-          <a:blip r:embed="rId2">
-            <a:extLst>
-              <a:ext uri="{28A0092B-C50C-407E-A947-70E740481C1C}">
-                <a14:useLocalDpi xmlns:a14="http://schemas.microsoft.com/office/drawing/2010/main" val="0"/>
-              </a:ext>
-            </a:extLst>
-          </a:blip>
-          <a:stretch>
-            <a:fillRect/>
-          </a:stretch>
-        </p:blipFill>
-        <p:spPr>
-          <a:xfrm>
-            <a:off x="678195" y="1458563"/>
-            <a:ext cx="5019675" cy="2771775"/>
-          </a:xfrm>
-        </p:spPr>
-      </p:pic>
       <p:sp>
         <p:nvSpPr>
           <p:cNvPr id="5" name="TextBox 4"/>
@@ -6921,6 +7302,70 @@
           </a:p>
         </p:txBody>
       </p:sp>
+      <p:sp>
+        <p:nvSpPr>
+          <p:cNvPr id="3" name="Номер слайда 2"/>
+          <p:cNvSpPr>
+            <a:spLocks noGrp="1"/>
+          </p:cNvSpPr>
+          <p:nvPr>
+            <p:ph type="sldNum" sz="quarter" idx="12"/>
+          </p:nvPr>
+        </p:nvSpPr>
+        <p:spPr/>
+        <p:txBody>
+          <a:bodyPr/>
+          <a:lstStyle/>
+          <a:p>
+            <a:fld id="{D57F1E4F-1CFF-5643-939E-02111984F565}" type="slidenum">
+              <a:rPr lang="en-US" smtClean="0"/>
+              <a:t>11</a:t>
+            </a:fld>
+            <a:endParaRPr lang="en-US" dirty="0"/>
+          </a:p>
+        </p:txBody>
+      </p:sp>
+      <p:pic>
+        <p:nvPicPr>
+          <p:cNvPr id="1026" name="Picture 2" descr="ÐÐ°ÑÑÐ¸Ð½ÐºÐ¸ Ð¿Ð¾ Ð·Ð°Ð¿ÑÐ¾ÑÑ mvvm pattern"/>
+          <p:cNvPicPr>
+            <a:picLocks noChangeAspect="1" noChangeArrowheads="1"/>
+          </p:cNvPicPr>
+          <p:nvPr/>
+        </p:nvPicPr>
+        <p:blipFill>
+          <a:blip r:embed="rId2">
+            <a:extLst>
+              <a:ext uri="{28A0092B-C50C-407E-A947-70E740481C1C}">
+                <a14:useLocalDpi xmlns:a14="http://schemas.microsoft.com/office/drawing/2010/main" val="0"/>
+              </a:ext>
+            </a:extLst>
+          </a:blip>
+          <a:srcRect/>
+          <a:stretch>
+            <a:fillRect/>
+          </a:stretch>
+        </p:blipFill>
+        <p:spPr bwMode="auto">
+          <a:xfrm>
+            <a:off x="458183" y="1497946"/>
+            <a:ext cx="5791200" cy="2693006"/>
+          </a:xfrm>
+          <a:prstGeom prst="rect">
+            <a:avLst/>
+          </a:prstGeom>
+          <a:noFill/>
+          <a:extLst>
+            <a:ext uri="{909E8E84-426E-40DD-AFC4-6F175D3DCCD1}">
+              <a14:hiddenFill xmlns:a14="http://schemas.microsoft.com/office/drawing/2010/main">
+                <a:solidFill>
+                  <a:srgbClr val="FFFFFF"/>
+                </a:solidFill>
+              </a14:hiddenFill>
+            </a:ext>
+          </a:extLst>
+        </p:spPr>
+      </p:pic>
     </p:spTree>
     <p:extLst>
       <p:ext uri="{BB962C8B-B14F-4D97-AF65-F5344CB8AC3E}">
@@ -7234,6 +7679,29 @@
           </a:p>
         </p:txBody>
       </p:sp>
+      <p:sp>
+        <p:nvSpPr>
+          <p:cNvPr id="4" name="Номер слайда 3"/>
+          <p:cNvSpPr>
+            <a:spLocks noGrp="1"/>
+          </p:cNvSpPr>
+          <p:nvPr>
+            <p:ph type="sldNum" sz="quarter" idx="12"/>
+          </p:nvPr>
+        </p:nvSpPr>
+        <p:spPr/>
+        <p:txBody>
+          <a:bodyPr/>
+          <a:lstStyle/>
+          <a:p>
+            <a:fld id="{D57F1E4F-1CFF-5643-939E-02111984F565}" type="slidenum">
+              <a:rPr lang="en-US" smtClean="0"/>
+              <a:t>12</a:t>
+            </a:fld>
+            <a:endParaRPr lang="en-US" dirty="0"/>
+          </a:p>
+        </p:txBody>
+      </p:sp>
     </p:spTree>
     <p:extLst>
       <p:ext uri="{BB962C8B-B14F-4D97-AF65-F5344CB8AC3E}">
@@ -7485,6 +7953,29 @@
           </a:p>
         </p:txBody>
       </p:sp>
+      <p:sp>
+        <p:nvSpPr>
+          <p:cNvPr id="4" name="Номер слайда 3"/>
+          <p:cNvSpPr>
+            <a:spLocks noGrp="1"/>
+          </p:cNvSpPr>
+          <p:nvPr>
+            <p:ph type="sldNum" sz="quarter" idx="12"/>
+          </p:nvPr>
+        </p:nvSpPr>
+        <p:spPr/>
+        <p:txBody>
+          <a:bodyPr/>
+          <a:lstStyle/>
+          <a:p>
+            <a:fld id="{D57F1E4F-1CFF-5643-939E-02111984F565}" type="slidenum">
+              <a:rPr lang="en-US" smtClean="0"/>
+              <a:t>13</a:t>
+            </a:fld>
+            <a:endParaRPr lang="en-US" dirty="0"/>
+          </a:p>
+        </p:txBody>
+      </p:sp>
     </p:spTree>
     <p:extLst>
       <p:ext uri="{BB962C8B-B14F-4D97-AF65-F5344CB8AC3E}">
@@ -7661,6 +8152,29 @@
           </a:prstGeom>
         </p:spPr>
       </p:pic>
+      <p:sp>
+        <p:nvSpPr>
+          <p:cNvPr id="5" name="Номер слайда 4"/>
+          <p:cNvSpPr>
+            <a:spLocks noGrp="1"/>
+          </p:cNvSpPr>
+          <p:nvPr>
+            <p:ph type="sldNum" sz="quarter" idx="12"/>
+          </p:nvPr>
+        </p:nvSpPr>
+        <p:spPr/>
+        <p:txBody>
+          <a:bodyPr/>
+          <a:lstStyle/>
+          <a:p>
+            <a:fld id="{D57F1E4F-1CFF-5643-939E-02111984F565}" type="slidenum">
+              <a:rPr lang="en-US" smtClean="0"/>
+              <a:t>14</a:t>
+            </a:fld>
+            <a:endParaRPr lang="en-US" dirty="0"/>
+          </a:p>
+        </p:txBody>
+      </p:sp>
     </p:spTree>
     <p:extLst>
       <p:ext uri="{BB962C8B-B14F-4D97-AF65-F5344CB8AC3E}">
@@ -7912,6 +8426,29 @@
           </a:p>
         </p:txBody>
       </p:sp>
+      <p:sp>
+        <p:nvSpPr>
+          <p:cNvPr id="4" name="Номер слайда 3"/>
+          <p:cNvSpPr>
+            <a:spLocks noGrp="1"/>
+          </p:cNvSpPr>
+          <p:nvPr>
+            <p:ph type="sldNum" sz="quarter" idx="12"/>
+          </p:nvPr>
+        </p:nvSpPr>
+        <p:spPr/>
+        <p:txBody>
+          <a:bodyPr/>
+          <a:lstStyle/>
+          <a:p>
+            <a:fld id="{D57F1E4F-1CFF-5643-939E-02111984F565}" type="slidenum">
+              <a:rPr lang="en-US" smtClean="0"/>
+              <a:t>15</a:t>
+            </a:fld>
+            <a:endParaRPr lang="en-US" dirty="0"/>
+          </a:p>
+        </p:txBody>
+      </p:sp>
     </p:spTree>
     <p:extLst>
       <p:ext uri="{BB962C8B-B14F-4D97-AF65-F5344CB8AC3E}">
@@ -8006,6 +8543,29 @@
           </a:xfrm>
         </p:spPr>
       </p:pic>
+      <p:sp>
+        <p:nvSpPr>
+          <p:cNvPr id="3" name="Номер слайда 2"/>
+          <p:cNvSpPr>
+            <a:spLocks noGrp="1"/>
+          </p:cNvSpPr>
+          <p:nvPr>
+            <p:ph type="sldNum" sz="quarter" idx="12"/>
+          </p:nvPr>
+        </p:nvSpPr>
+        <p:spPr/>
+        <p:txBody>
+          <a:bodyPr/>
+          <a:lstStyle/>
+          <a:p>
+            <a:fld id="{D57F1E4F-1CFF-5643-939E-02111984F565}" type="slidenum">
+              <a:rPr lang="en-US" smtClean="0"/>
+              <a:t>16</a:t>
+            </a:fld>
+            <a:endParaRPr lang="en-US" dirty="0"/>
+          </a:p>
+        </p:txBody>
+      </p:sp>
     </p:spTree>
     <p:extLst>
       <p:ext uri="{BB962C8B-B14F-4D97-AF65-F5344CB8AC3E}">
@@ -8134,6 +8694,29 @@
           </a:prstGeom>
         </p:spPr>
       </p:pic>
+      <p:sp>
+        <p:nvSpPr>
+          <p:cNvPr id="5" name="Номер слайда 4"/>
+          <p:cNvSpPr>
+            <a:spLocks noGrp="1"/>
+          </p:cNvSpPr>
+          <p:nvPr>
+            <p:ph type="sldNum" sz="quarter" idx="12"/>
+          </p:nvPr>
+        </p:nvSpPr>
+        <p:spPr/>
+        <p:txBody>
+          <a:bodyPr/>
+          <a:lstStyle/>
+          <a:p>
+            <a:fld id="{D57F1E4F-1CFF-5643-939E-02111984F565}" type="slidenum">
+              <a:rPr lang="en-US" smtClean="0"/>
+              <a:t>17</a:t>
+            </a:fld>
+            <a:endParaRPr lang="en-US" dirty="0"/>
+          </a:p>
+        </p:txBody>
+      </p:sp>
     </p:spTree>
     <p:extLst>
       <p:ext uri="{BB962C8B-B14F-4D97-AF65-F5344CB8AC3E}">
@@ -8278,6 +8861,29 @@
               <a:t>которая так же была использована в процессе обучения модели.</a:t>
             </a:r>
             <a:endParaRPr lang="ru-RU" sz="2400" dirty="0"/>
+          </a:p>
+        </p:txBody>
+      </p:sp>
+      <p:sp>
+        <p:nvSpPr>
+          <p:cNvPr id="4" name="Номер слайда 3"/>
+          <p:cNvSpPr>
+            <a:spLocks noGrp="1"/>
+          </p:cNvSpPr>
+          <p:nvPr>
+            <p:ph type="sldNum" sz="quarter" idx="12"/>
+          </p:nvPr>
+        </p:nvSpPr>
+        <p:spPr/>
+        <p:txBody>
+          <a:bodyPr/>
+          <a:lstStyle/>
+          <a:p>
+            <a:fld id="{D57F1E4F-1CFF-5643-939E-02111984F565}" type="slidenum">
+              <a:rPr lang="en-US" smtClean="0"/>
+              <a:t>18</a:t>
+            </a:fld>
+            <a:endParaRPr lang="en-US" dirty="0"/>
           </a:p>
         </p:txBody>
       </p:sp>
@@ -9271,6 +9877,29 @@
           </a:graphicData>
         </a:graphic>
       </p:graphicFrame>
+      <p:sp>
+        <p:nvSpPr>
+          <p:cNvPr id="4" name="Номер слайда 3"/>
+          <p:cNvSpPr>
+            <a:spLocks noGrp="1"/>
+          </p:cNvSpPr>
+          <p:nvPr>
+            <p:ph type="sldNum" sz="quarter" idx="12"/>
+          </p:nvPr>
+        </p:nvSpPr>
+        <p:spPr/>
+        <p:txBody>
+          <a:bodyPr/>
+          <a:lstStyle/>
+          <a:p>
+            <a:fld id="{D57F1E4F-1CFF-5643-939E-02111984F565}" type="slidenum">
+              <a:rPr lang="en-US" smtClean="0"/>
+              <a:t>19</a:t>
+            </a:fld>
+            <a:endParaRPr lang="en-US" dirty="0"/>
+          </a:p>
+        </p:txBody>
+      </p:sp>
     </p:spTree>
     <p:extLst>
       <p:ext uri="{BB962C8B-B14F-4D97-AF65-F5344CB8AC3E}">
@@ -9378,6 +10007,29 @@
               <a:t> </a:t>
             </a:r>
             <a:endParaRPr lang="ru-RU" sz="2800" dirty="0"/>
+          </a:p>
+        </p:txBody>
+      </p:sp>
+      <p:sp>
+        <p:nvSpPr>
+          <p:cNvPr id="4" name="Номер слайда 3"/>
+          <p:cNvSpPr>
+            <a:spLocks noGrp="1"/>
+          </p:cNvSpPr>
+          <p:nvPr>
+            <p:ph type="sldNum" sz="quarter" idx="12"/>
+          </p:nvPr>
+        </p:nvSpPr>
+        <p:spPr/>
+        <p:txBody>
+          <a:bodyPr/>
+          <a:lstStyle/>
+          <a:p>
+            <a:fld id="{D57F1E4F-1CFF-5643-939E-02111984F565}" type="slidenum">
+              <a:rPr lang="en-US" smtClean="0"/>
+              <a:t>2</a:t>
+            </a:fld>
+            <a:endParaRPr lang="en-US" dirty="0"/>
           </a:p>
         </p:txBody>
       </p:sp>
@@ -10403,6 +11055,29 @@
           </a:graphicData>
         </a:graphic>
       </p:graphicFrame>
+      <p:sp>
+        <p:nvSpPr>
+          <p:cNvPr id="4" name="Номер слайда 3"/>
+          <p:cNvSpPr>
+            <a:spLocks noGrp="1"/>
+          </p:cNvSpPr>
+          <p:nvPr>
+            <p:ph type="sldNum" sz="quarter" idx="12"/>
+          </p:nvPr>
+        </p:nvSpPr>
+        <p:spPr/>
+        <p:txBody>
+          <a:bodyPr/>
+          <a:lstStyle/>
+          <a:p>
+            <a:fld id="{D57F1E4F-1CFF-5643-939E-02111984F565}" type="slidenum">
+              <a:rPr lang="en-US" smtClean="0"/>
+              <a:t>20</a:t>
+            </a:fld>
+            <a:endParaRPr lang="en-US" dirty="0"/>
+          </a:p>
+        </p:txBody>
+      </p:sp>
     </p:spTree>
     <p:extLst>
       <p:ext uri="{BB962C8B-B14F-4D97-AF65-F5344CB8AC3E}">
@@ -10555,6 +11230,29 @@
           </a:p>
         </p:txBody>
       </p:sp>
+      <p:sp>
+        <p:nvSpPr>
+          <p:cNvPr id="4" name="Номер слайда 3"/>
+          <p:cNvSpPr>
+            <a:spLocks noGrp="1"/>
+          </p:cNvSpPr>
+          <p:nvPr>
+            <p:ph type="sldNum" sz="quarter" idx="12"/>
+          </p:nvPr>
+        </p:nvSpPr>
+        <p:spPr/>
+        <p:txBody>
+          <a:bodyPr/>
+          <a:lstStyle/>
+          <a:p>
+            <a:fld id="{D57F1E4F-1CFF-5643-939E-02111984F565}" type="slidenum">
+              <a:rPr lang="en-US" smtClean="0"/>
+              <a:t>21</a:t>
+            </a:fld>
+            <a:endParaRPr lang="en-US" dirty="0"/>
+          </a:p>
+        </p:txBody>
+      </p:sp>
     </p:spTree>
     <p:extLst>
       <p:ext uri="{BB962C8B-B14F-4D97-AF65-F5344CB8AC3E}">
@@ -10874,6 +11572,29 @@
           </a:p>
         </p:txBody>
       </p:sp>
+      <p:sp>
+        <p:nvSpPr>
+          <p:cNvPr id="8" name="Номер слайда 7"/>
+          <p:cNvSpPr>
+            <a:spLocks noGrp="1"/>
+          </p:cNvSpPr>
+          <p:nvPr>
+            <p:ph type="sldNum" sz="quarter" idx="12"/>
+          </p:nvPr>
+        </p:nvSpPr>
+        <p:spPr/>
+        <p:txBody>
+          <a:bodyPr/>
+          <a:lstStyle/>
+          <a:p>
+            <a:fld id="{D57F1E4F-1CFF-5643-939E-02111984F565}" type="slidenum">
+              <a:rPr lang="en-US" smtClean="0"/>
+              <a:t>3</a:t>
+            </a:fld>
+            <a:endParaRPr lang="en-US" dirty="0"/>
+          </a:p>
+        </p:txBody>
+      </p:sp>
     </p:spTree>
     <p:extLst>
       <p:ext uri="{BB962C8B-B14F-4D97-AF65-F5344CB8AC3E}">
@@ -10991,6 +11712,29 @@
           </a:p>
         </p:txBody>
       </p:sp>
+      <p:sp>
+        <p:nvSpPr>
+          <p:cNvPr id="4" name="Номер слайда 3"/>
+          <p:cNvSpPr>
+            <a:spLocks noGrp="1"/>
+          </p:cNvSpPr>
+          <p:nvPr>
+            <p:ph type="sldNum" sz="quarter" idx="12"/>
+          </p:nvPr>
+        </p:nvSpPr>
+        <p:spPr/>
+        <p:txBody>
+          <a:bodyPr/>
+          <a:lstStyle/>
+          <a:p>
+            <a:fld id="{D57F1E4F-1CFF-5643-939E-02111984F565}" type="slidenum">
+              <a:rPr lang="en-US" smtClean="0"/>
+              <a:t>4</a:t>
+            </a:fld>
+            <a:endParaRPr lang="en-US" dirty="0"/>
+          </a:p>
+        </p:txBody>
+      </p:sp>
     </p:spTree>
     <p:extLst>
       <p:ext uri="{BB962C8B-B14F-4D97-AF65-F5344CB8AC3E}">
@@ -11125,6 +11869,29 @@
           </a:p>
         </p:txBody>
       </p:sp>
+      <p:sp>
+        <p:nvSpPr>
+          <p:cNvPr id="4" name="Номер слайда 3"/>
+          <p:cNvSpPr>
+            <a:spLocks noGrp="1"/>
+          </p:cNvSpPr>
+          <p:nvPr>
+            <p:ph type="sldNum" sz="quarter" idx="12"/>
+          </p:nvPr>
+        </p:nvSpPr>
+        <p:spPr/>
+        <p:txBody>
+          <a:bodyPr/>
+          <a:lstStyle/>
+          <a:p>
+            <a:fld id="{D57F1E4F-1CFF-5643-939E-02111984F565}" type="slidenum">
+              <a:rPr lang="en-US" smtClean="0"/>
+              <a:t>5</a:t>
+            </a:fld>
+            <a:endParaRPr lang="en-US" dirty="0"/>
+          </a:p>
+        </p:txBody>
+      </p:sp>
     </p:spTree>
     <p:extLst>
       <p:ext uri="{BB962C8B-B14F-4D97-AF65-F5344CB8AC3E}">
@@ -11290,6 +12057,29 @@
               <a:t>Два первых решения обладают существенным плюсом перед остальными – возможностью распознавания и перевода текста без подключения к Сети. Но их основной направленностью не является перевод текста с фотографии – основной интерфейс заточен на ввод с клавиатуры или голосовой ввод. Последние три решения работают только при подключении к Сети и не имеют возможности сохранения результатов перевода.</a:t>
             </a:r>
             <a:endParaRPr lang="ru-RU" dirty="0"/>
+          </a:p>
+        </p:txBody>
+      </p:sp>
+      <p:sp>
+        <p:nvSpPr>
+          <p:cNvPr id="4" name="Номер слайда 3"/>
+          <p:cNvSpPr>
+            <a:spLocks noGrp="1"/>
+          </p:cNvSpPr>
+          <p:nvPr>
+            <p:ph type="sldNum" sz="quarter" idx="12"/>
+          </p:nvPr>
+        </p:nvSpPr>
+        <p:spPr/>
+        <p:txBody>
+          <a:bodyPr/>
+          <a:lstStyle/>
+          <a:p>
+            <a:fld id="{D57F1E4F-1CFF-5643-939E-02111984F565}" type="slidenum">
+              <a:rPr lang="en-US" smtClean="0"/>
+              <a:t>6</a:t>
+            </a:fld>
+            <a:endParaRPr lang="en-US" dirty="0"/>
           </a:p>
         </p:txBody>
       </p:sp>
@@ -11503,6 +12293,29 @@
           </a:prstGeom>
         </p:spPr>
       </p:pic>
+      <p:sp>
+        <p:nvSpPr>
+          <p:cNvPr id="3" name="Номер слайда 2"/>
+          <p:cNvSpPr>
+            <a:spLocks noGrp="1"/>
+          </p:cNvSpPr>
+          <p:nvPr>
+            <p:ph type="sldNum" sz="quarter" idx="12"/>
+          </p:nvPr>
+        </p:nvSpPr>
+        <p:spPr/>
+        <p:txBody>
+          <a:bodyPr/>
+          <a:lstStyle/>
+          <a:p>
+            <a:fld id="{D57F1E4F-1CFF-5643-939E-02111984F565}" type="slidenum">
+              <a:rPr lang="en-US" smtClean="0"/>
+              <a:t>7</a:t>
+            </a:fld>
+            <a:endParaRPr lang="en-US" dirty="0"/>
+          </a:p>
+        </p:txBody>
+      </p:sp>
     </p:spTree>
     <p:extLst>
       <p:ext uri="{BB962C8B-B14F-4D97-AF65-F5344CB8AC3E}">
@@ -11692,6 +12505,29 @@
           </a:prstGeom>
         </p:spPr>
       </p:pic>
+      <p:sp>
+        <p:nvSpPr>
+          <p:cNvPr id="5" name="Номер слайда 4"/>
+          <p:cNvSpPr>
+            <a:spLocks noGrp="1"/>
+          </p:cNvSpPr>
+          <p:nvPr>
+            <p:ph type="sldNum" sz="quarter" idx="12"/>
+          </p:nvPr>
+        </p:nvSpPr>
+        <p:spPr/>
+        <p:txBody>
+          <a:bodyPr/>
+          <a:lstStyle/>
+          <a:p>
+            <a:fld id="{D57F1E4F-1CFF-5643-939E-02111984F565}" type="slidenum">
+              <a:rPr lang="en-US" smtClean="0"/>
+              <a:t>8</a:t>
+            </a:fld>
+            <a:endParaRPr lang="en-US" dirty="0"/>
+          </a:p>
+        </p:txBody>
+      </p:sp>
     </p:spTree>
     <p:extLst>
       <p:ext uri="{BB962C8B-B14F-4D97-AF65-F5344CB8AC3E}">
@@ -12015,6 +12851,29 @@
               <a:t>View-Model</a:t>
             </a:r>
             <a:endParaRPr lang="ru-RU" sz="2400" dirty="0"/>
+          </a:p>
+        </p:txBody>
+      </p:sp>
+      <p:sp>
+        <p:nvSpPr>
+          <p:cNvPr id="4" name="Номер слайда 3"/>
+          <p:cNvSpPr>
+            <a:spLocks noGrp="1"/>
+          </p:cNvSpPr>
+          <p:nvPr>
+            <p:ph type="sldNum" sz="quarter" idx="12"/>
+          </p:nvPr>
+        </p:nvSpPr>
+        <p:spPr/>
+        <p:txBody>
+          <a:bodyPr/>
+          <a:lstStyle/>
+          <a:p>
+            <a:fld id="{D57F1E4F-1CFF-5643-939E-02111984F565}" type="slidenum">
+              <a:rPr lang="en-US" smtClean="0"/>
+              <a:t>9</a:t>
+            </a:fld>
+            <a:endParaRPr lang="en-US" dirty="0"/>
           </a:p>
         </p:txBody>
       </p:sp>
@@ -12302,4 +13161,265 @@
     </a:ext>
   </a:extLst>
 </a:theme>
+</file>
+
+<file path=ppt/theme/theme2.xml><?xml version="1.0" encoding="utf-8"?>
+<a:theme xmlns:a="http://schemas.openxmlformats.org/drawingml/2006/main" name="Тема Office">
+  <a:themeElements>
+    <a:clrScheme name="Стандартная">
+      <a:dk1>
+        <a:sysClr val="windowText" lastClr="000000"/>
+      </a:dk1>
+      <a:lt1>
+        <a:sysClr val="window" lastClr="FFFFFF"/>
+      </a:lt1>
+      <a:dk2>
+        <a:srgbClr val="44546A"/>
+      </a:dk2>
+      <a:lt2>
+        <a:srgbClr val="E7E6E6"/>
+      </a:lt2>
+      <a:accent1>
+        <a:srgbClr val="5B9BD5"/>
+      </a:accent1>
+      <a:accent2>
+        <a:srgbClr val="ED7D31"/>
+      </a:accent2>
+      <a:accent3>
+        <a:srgbClr val="A5A5A5"/>
+      </a:accent3>
+      <a:accent4>
+        <a:srgbClr val="FFC000"/>
+      </a:accent4>
+      <a:accent5>
+        <a:srgbClr val="4472C4"/>
+      </a:accent5>
+      <a:accent6>
+        <a:srgbClr val="70AD47"/>
+      </a:accent6>
+      <a:hlink>
+        <a:srgbClr val="0563C1"/>
+      </a:hlink>
+      <a:folHlink>
+        <a:srgbClr val="954F72"/>
+      </a:folHlink>
+    </a:clrScheme>
+    <a:fontScheme name="Стандартная">
+      <a:majorFont>
+        <a:latin typeface="Calibri Light" panose="020F0302020204030204"/>
+        <a:ea typeface=""/>
+        <a:cs typeface=""/>
+        <a:font script="Jpan" typeface="游ゴシック Light"/>
+        <a:font script="Hang" typeface="맑은 고딕"/>
+        <a:font script="Hans" typeface="等线 Light"/>
+        <a:font script="Hant" typeface="新細明體"/>
+        <a:font script="Arab" typeface="Times New Roman"/>
+        <a:font script="Hebr" typeface="Times New Roman"/>
+        <a:font script="Thai" typeface="Angsana New"/>
+        <a:font script="Ethi" typeface="Nyala"/>
+        <a:font script="Beng" typeface="Vrinda"/>
+        <a:font script="Gujr" typeface="Shruti"/>
+        <a:font script="Khmr" typeface="MoolBoran"/>
+        <a:font script="Knda" typeface="Tunga"/>
+        <a:font script="Guru" typeface="Raavi"/>
+        <a:font script="Cans" typeface="Euphemia"/>
+        <a:font script="Cher" typeface="Plantagenet Cherokee"/>
+        <a:font script="Yiii" typeface="Microsoft Yi Baiti"/>
+        <a:font script="Tibt" typeface="Microsoft Himalaya"/>
+        <a:font script="Thaa" typeface="MV Boli"/>
+        <a:font script="Deva" typeface="Mangal"/>
+        <a:font script="Telu" typeface="Gautami"/>
+        <a:font script="Taml" typeface="Latha"/>
+        <a:font script="Syrc" typeface="Estrangelo Edessa"/>
+        <a:font script="Orya" typeface="Kalinga"/>
+        <a:font script="Mlym" typeface="Kartika"/>
+        <a:font script="Laoo" typeface="DokChampa"/>
+        <a:font script="Sinh" typeface="Iskoola Pota"/>
+        <a:font script="Mong" typeface="Mongolian Baiti"/>
+        <a:font script="Viet" typeface="Times New Roman"/>
+        <a:font script="Uigh" typeface="Microsoft Uighur"/>
+        <a:font script="Geor" typeface="Sylfaen"/>
+      </a:majorFont>
+      <a:minorFont>
+        <a:latin typeface="Calibri" panose="020F0502020204030204"/>
+        <a:ea typeface=""/>
+        <a:cs typeface=""/>
+        <a:font script="Jpan" typeface="游ゴシック"/>
+        <a:font script="Hang" typeface="맑은 고딕"/>
+        <a:font script="Hans" typeface="等线"/>
+        <a:font script="Hant" typeface="新細明體"/>
+        <a:font script="Arab" typeface="Arial"/>
+        <a:font script="Hebr" typeface="Arial"/>
+        <a:font script="Thai" typeface="Cordia New"/>
+        <a:font script="Ethi" typeface="Nyala"/>
+        <a:font script="Beng" typeface="Vrinda"/>
+        <a:font script="Gujr" typeface="Shruti"/>
+        <a:font script="Khmr" typeface="DaunPenh"/>
+        <a:font script="Knda" typeface="Tunga"/>
+        <a:font script="Guru" typeface="Raavi"/>
+        <a:font script="Cans" typeface="Euphemia"/>
+        <a:font script="Cher" typeface="Plantagenet Cherokee"/>
+        <a:font script="Yiii" typeface="Microsoft Yi Baiti"/>
+        <a:font script="Tibt" typeface="Microsoft Himalaya"/>
+        <a:font script="Thaa" typeface="MV Boli"/>
+        <a:font script="Deva" typeface="Mangal"/>
+        <a:font script="Telu" typeface="Gautami"/>
+        <a:font script="Taml" typeface="Latha"/>
+        <a:font script="Syrc" typeface="Estrangelo Edessa"/>
+        <a:font script="Orya" typeface="Kalinga"/>
+        <a:font script="Mlym" typeface="Kartika"/>
+        <a:font script="Laoo" typeface="DokChampa"/>
+        <a:font script="Sinh" typeface="Iskoola Pota"/>
+        <a:font script="Mong" typeface="Mongolian Baiti"/>
+        <a:font script="Viet" typeface="Arial"/>
+        <a:font script="Uigh" typeface="Microsoft Uighur"/>
+        <a:font script="Geor" typeface="Sylfaen"/>
+      </a:minorFont>
+    </a:fontScheme>
+    <a:fmtScheme name="Стандартная">
+      <a:fillStyleLst>
+        <a:solidFill>
+          <a:schemeClr val="phClr"/>
+        </a:solidFill>
+        <a:gradFill rotWithShape="1">
+          <a:gsLst>
+            <a:gs pos="0">
+              <a:schemeClr val="phClr">
+                <a:lumMod val="110000"/>
+                <a:satMod val="105000"/>
+                <a:tint val="67000"/>
+              </a:schemeClr>
+            </a:gs>
+            <a:gs pos="50000">
+              <a:schemeClr val="phClr">
+                <a:lumMod val="105000"/>
+                <a:satMod val="103000"/>
+                <a:tint val="73000"/>
+              </a:schemeClr>
+            </a:gs>
+            <a:gs pos="100000">
+              <a:schemeClr val="phClr">
+                <a:lumMod val="105000"/>
+                <a:satMod val="109000"/>
+                <a:tint val="81000"/>
+              </a:schemeClr>
+            </a:gs>
+          </a:gsLst>
+          <a:lin ang="5400000" scaled="0"/>
+        </a:gradFill>
+        <a:gradFill rotWithShape="1">
+          <a:gsLst>
+            <a:gs pos="0">
+              <a:schemeClr val="phClr">
+                <a:satMod val="103000"/>
+                <a:lumMod val="102000"/>
+                <a:tint val="94000"/>
+              </a:schemeClr>
+            </a:gs>
+            <a:gs pos="50000">
+              <a:schemeClr val="phClr">
+                <a:satMod val="110000"/>
+                <a:lumMod val="100000"/>
+                <a:shade val="100000"/>
+              </a:schemeClr>
+            </a:gs>
+            <a:gs pos="100000">
+              <a:schemeClr val="phClr">
+                <a:lumMod val="99000"/>
+                <a:satMod val="120000"/>
+                <a:shade val="78000"/>
+              </a:schemeClr>
+            </a:gs>
+          </a:gsLst>
+          <a:lin ang="5400000" scaled="0"/>
+        </a:gradFill>
+      </a:fillStyleLst>
+      <a:lnStyleLst>
+        <a:ln w="6350" cap="flat" cmpd="sng" algn="ctr">
+          <a:solidFill>
+            <a:schemeClr val="phClr"/>
+          </a:solidFill>
+          <a:prstDash val="solid"/>
+          <a:miter lim="800000"/>
+        </a:ln>
+        <a:ln w="12700" cap="flat" cmpd="sng" algn="ctr">
+          <a:solidFill>
+            <a:schemeClr val="phClr"/>
+          </a:solidFill>
+          <a:prstDash val="solid"/>
+          <a:miter lim="800000"/>
+        </a:ln>
+        <a:ln w="19050" cap="flat" cmpd="sng" algn="ctr">
+          <a:solidFill>
+            <a:schemeClr val="phClr"/>
+          </a:solidFill>
+          <a:prstDash val="solid"/>
+          <a:miter lim="800000"/>
+        </a:ln>
+      </a:lnStyleLst>
+      <a:effectStyleLst>
+        <a:effectStyle>
+          <a:effectLst/>
+        </a:effectStyle>
+        <a:effectStyle>
+          <a:effectLst/>
+        </a:effectStyle>
+        <a:effectStyle>
+          <a:effectLst>
+            <a:outerShdw blurRad="57150" dist="19050" dir="5400000" algn="ctr" rotWithShape="0">
+              <a:srgbClr val="000000">
+                <a:alpha val="63000"/>
+              </a:srgbClr>
+            </a:outerShdw>
+          </a:effectLst>
+        </a:effectStyle>
+      </a:effectStyleLst>
+      <a:bgFillStyleLst>
+        <a:solidFill>
+          <a:schemeClr val="phClr"/>
+        </a:solidFill>
+        <a:solidFill>
+          <a:schemeClr val="phClr">
+            <a:tint val="95000"/>
+            <a:satMod val="170000"/>
+          </a:schemeClr>
+        </a:solidFill>
+        <a:gradFill rotWithShape="1">
+          <a:gsLst>
+            <a:gs pos="0">
+              <a:schemeClr val="phClr">
+                <a:tint val="93000"/>
+                <a:satMod val="150000"/>
+                <a:shade val="98000"/>
+                <a:lumMod val="102000"/>
+              </a:schemeClr>
+            </a:gs>
+            <a:gs pos="50000">
+              <a:schemeClr val="phClr">
+                <a:tint val="98000"/>
+                <a:satMod val="130000"/>
+                <a:shade val="90000"/>
+                <a:lumMod val="103000"/>
+              </a:schemeClr>
+            </a:gs>
+            <a:gs pos="100000">
+              <a:schemeClr val="phClr">
+                <a:shade val="63000"/>
+                <a:satMod val="120000"/>
+              </a:schemeClr>
+            </a:gs>
+          </a:gsLst>
+          <a:lin ang="5400000" scaled="0"/>
+        </a:gradFill>
+      </a:bgFillStyleLst>
+    </a:fmtScheme>
+  </a:themeElements>
+  <a:objectDefaults/>
+  <a:extraClrSchemeLst/>
+  <a:extLst>
+    <a:ext uri="{05A4C25C-085E-4340-85A3-A5531E510DB2}">
+      <thm15:themeFamily xmlns:thm15="http://schemas.microsoft.com/office/thememl/2012/main" name="Office Theme" id="{62F939B6-93AF-4DB8-9C6B-D6C7DFDC589F}" vid="{4A3C46E8-61CC-4603-A589-7422A47A8E4A}"/>
+    </a:ext>
+  </a:extLst>
+</a:theme>
 </file>